--- a/public/files/食譜搜尋器_01357026_01357028.pptx
+++ b/public/files/食譜搜尋器_01357026_01357028.pptx
@@ -1101,7 +1101,7 @@
   <p:cSld>
     <p:spTree>
       <p:nvGrpSpPr>
-        <p:cNvPr id="120" name="Shape 120"/>
+        <p:cNvPr id="121" name="Shape 121"/>
         <p:cNvGrpSpPr/>
         <p:nvPr/>
       </p:nvGrpSpPr>
@@ -1115,7 +1115,7 @@
       </p:grpSpPr>
       <p:sp>
         <p:nvSpPr>
-          <p:cNvPr id="121" name="Google Shape;121;g398c75134a3_0_140:notes"/>
+          <p:cNvPr id="122" name="Google Shape;122;g398c75134a3_0_140:notes"/>
           <p:cNvSpPr/>
           <p:nvPr>
             <p:ph idx="2" type="sldImg"/>
@@ -1150,7 +1150,7 @@
       </p:sp>
       <p:sp>
         <p:nvSpPr>
-          <p:cNvPr id="122" name="Google Shape;122;g398c75134a3_0_140:notes"/>
+          <p:cNvPr id="123" name="Google Shape;123;g398c75134a3_0_140:notes"/>
           <p:cNvSpPr txBox="1"/>
           <p:nvPr>
             <p:ph idx="1" type="body"/>
@@ -1200,7 +1200,7 @@
   <p:cSld>
     <p:spTree>
       <p:nvGrpSpPr>
-        <p:cNvPr id="126" name="Shape 126"/>
+        <p:cNvPr id="127" name="Shape 127"/>
         <p:cNvGrpSpPr/>
         <p:nvPr/>
       </p:nvGrpSpPr>
@@ -1214,7 +1214,7 @@
       </p:grpSpPr>
       <p:sp>
         <p:nvSpPr>
-          <p:cNvPr id="127" name="Google Shape;127;g3b1daf78010_0_13:notes"/>
+          <p:cNvPr id="128" name="Google Shape;128;g3b1daf78010_0_13:notes"/>
           <p:cNvSpPr/>
           <p:nvPr>
             <p:ph idx="2" type="sldImg"/>
@@ -1249,7 +1249,7 @@
       </p:sp>
       <p:sp>
         <p:nvSpPr>
-          <p:cNvPr id="128" name="Google Shape;128;g3b1daf78010_0_13:notes"/>
+          <p:cNvPr id="129" name="Google Shape;129;g3b1daf78010_0_13:notes"/>
           <p:cNvSpPr txBox="1"/>
           <p:nvPr>
             <p:ph idx="1" type="body"/>
@@ -8270,7 +8270,31 @@
                 <a:cs typeface="Arial"/>
                 <a:sym typeface="Arial"/>
               </a:rPr>
-              <a:t>。</a:t>
+              <a:t>，在不知道做什麼料理的時候也可以透過</a:t>
+            </a:r>
+            <a:r>
+              <a:rPr b="1" lang="zh-TW" sz="2700">
+                <a:solidFill>
+                  <a:srgbClr val="000000"/>
+                </a:solidFill>
+                <a:latin typeface="Arial"/>
+                <a:ea typeface="Arial"/>
+                <a:cs typeface="Arial"/>
+                <a:sym typeface="Arial"/>
+              </a:rPr>
+              <a:t>隨機食譜功能</a:t>
+            </a:r>
+            <a:r>
+              <a:rPr lang="zh-TW" sz="2700">
+                <a:solidFill>
+                  <a:srgbClr val="000000"/>
+                </a:solidFill>
+                <a:latin typeface="Arial"/>
+                <a:ea typeface="Arial"/>
+                <a:cs typeface="Arial"/>
+                <a:sym typeface="Arial"/>
+              </a:rPr>
+              <a:t>找尋更多靈感。</a:t>
             </a:r>
             <a:endParaRPr sz="2700"/>
           </a:p>
@@ -8519,6 +8543,43 @@
                 <a:sym typeface="Arial"/>
               </a:rPr>
               <a:t>將喜歡的料理加入自己的食譜庫。</a:t>
+            </a:r>
+            <a:endParaRPr sz="2000">
+              <a:latin typeface="Arial"/>
+              <a:ea typeface="Arial"/>
+              <a:cs typeface="Arial"/>
+              <a:sym typeface="Arial"/>
+            </a:endParaRPr>
+          </a:p>
+          <a:p>
+            <a:pPr indent="-355600" lvl="0" marL="457200" rtl="0" algn="l">
+              <a:spcBef>
+                <a:spcPts val="0"/>
+              </a:spcBef>
+              <a:spcAft>
+                <a:spcPts val="0"/>
+              </a:spcAft>
+              <a:buSzPts val="2000"/>
+              <a:buFont typeface="Arial"/>
+              <a:buChar char="●"/>
+            </a:pPr>
+            <a:r>
+              <a:rPr b="1" lang="zh-TW" sz="2000">
+                <a:latin typeface="Arial"/>
+                <a:ea typeface="Arial"/>
+                <a:cs typeface="Arial"/>
+                <a:sym typeface="Arial"/>
+              </a:rPr>
+              <a:t>隨機食譜：</a:t>
+            </a:r>
+            <a:r>
+              <a:rPr lang="zh-TW" sz="2000">
+                <a:latin typeface="Arial"/>
+                <a:ea typeface="Arial"/>
+                <a:cs typeface="Arial"/>
+                <a:sym typeface="Arial"/>
+              </a:rPr>
+              <a:t>隨機推薦一個食譜給使用者。</a:t>
             </a:r>
             <a:endParaRPr sz="2000">
               <a:latin typeface="Arial"/>
@@ -8637,7 +8698,7 @@
               <a:buNone/>
             </a:pPr>
             <a:r>
-              <a:rPr lang="zh-TW" sz="2400">
+              <a:rPr lang="zh-TW" sz="4600">
                 <a:solidFill>
                   <a:schemeClr val="lt1"/>
                 </a:solidFill>
@@ -8648,7 +8709,7 @@
               </a:rPr>
               <a:t>首頁</a:t>
             </a:r>
-            <a:endParaRPr sz="2400">
+            <a:endParaRPr sz="4600">
               <a:solidFill>
                 <a:schemeClr val="lt1"/>
               </a:solidFill>
@@ -8668,7 +8729,7 @@
         </p:nvSpPr>
         <p:spPr>
           <a:xfrm>
-            <a:off x="6726600" y="1178350"/>
+            <a:off x="6668825" y="1178350"/>
             <a:ext cx="2105700" cy="1160100"/>
           </a:xfrm>
           <a:prstGeom prst="rect">
@@ -8738,7 +8799,7 @@
         <p:spPr>
           <a:xfrm>
             <a:off x="5195050" y="1758400"/>
-            <a:ext cx="1531500" cy="0"/>
+            <a:ext cx="1473900" cy="0"/>
           </a:xfrm>
           <a:prstGeom prst="straightConnector1">
             <a:avLst/>
@@ -8763,7 +8824,7 @@
         </p:nvSpPr>
         <p:spPr>
           <a:xfrm>
-            <a:off x="3872750" y="3265725"/>
+            <a:off x="3519150" y="3265725"/>
             <a:ext cx="2105700" cy="1160100"/>
           </a:xfrm>
           <a:prstGeom prst="rect">
@@ -8865,7 +8926,7 @@
         <p:spPr>
           <a:xfrm>
             <a:off x="4142200" y="2338450"/>
-            <a:ext cx="783300" cy="927300"/>
+            <a:ext cx="429900" cy="927300"/>
           </a:xfrm>
           <a:prstGeom prst="straightConnector1">
             <a:avLst/>
@@ -8889,9 +8950,9 @@
           <p:nvPr/>
         </p:nvSpPr>
         <p:spPr>
-          <a:xfrm rot="-2513538">
-            <a:off x="3929014" y="2435719"/>
-            <a:ext cx="336512" cy="411503"/>
+          <a:xfrm rot="-1378639">
+            <a:off x="3840847" y="2370515"/>
+            <a:ext cx="336607" cy="402470"/>
           </a:xfrm>
           <a:prstGeom prst="rect">
             <a:avLst/>
@@ -9170,8 +9231,8 @@
         </p:nvCxnSpPr>
         <p:spPr>
           <a:xfrm rot="10800000">
-            <a:off x="2477150" y="3845775"/>
-            <a:ext cx="1395600" cy="0"/>
+            <a:off x="2477250" y="3845775"/>
+            <a:ext cx="1041900" cy="0"/>
           </a:xfrm>
           <a:prstGeom prst="straightConnector1">
             <a:avLst/>
@@ -9196,7 +9257,7 @@
         </p:nvSpPr>
         <p:spPr>
           <a:xfrm>
-            <a:off x="2638525" y="3394875"/>
+            <a:off x="2477050" y="3394875"/>
             <a:ext cx="1105500" cy="450900"/>
           </a:xfrm>
           <a:prstGeom prst="rect">
@@ -9246,16 +9307,84 @@
           </a:p>
         </p:txBody>
       </p:sp>
+      <p:sp>
+        <p:nvSpPr>
+          <p:cNvPr id="118" name="Google Shape;118;p16"/>
+          <p:cNvSpPr/>
+          <p:nvPr/>
+        </p:nvSpPr>
+        <p:spPr>
+          <a:xfrm>
+            <a:off x="6666875" y="2435200"/>
+            <a:ext cx="2105700" cy="1160100"/>
+          </a:xfrm>
+          <a:prstGeom prst="rect">
+            <a:avLst/>
+          </a:prstGeom>
+          <a:solidFill>
+            <a:srgbClr val="1D68A7"/>
+          </a:solidFill>
+          <a:ln cap="flat" cmpd="sng" w="9525">
+            <a:solidFill>
+              <a:srgbClr val="1D68A7"/>
+            </a:solidFill>
+            <a:prstDash val="solid"/>
+            <a:round/>
+            <a:headEnd len="sm" w="sm" type="none"/>
+            <a:tailEnd len="sm" w="sm" type="none"/>
+          </a:ln>
+        </p:spPr>
+        <p:txBody>
+          <a:bodyPr anchorCtr="0" anchor="ctr" bIns="91425" lIns="91425" spcFirstLastPara="1" rIns="91425" wrap="square" tIns="91425">
+            <a:noAutofit/>
+          </a:bodyPr>
+          <a:lstStyle/>
+          <a:p>
+            <a:pPr indent="0" lvl="0" marL="0" rtl="0" algn="ctr">
+              <a:spcBef>
+                <a:spcPts val="0"/>
+              </a:spcBef>
+              <a:spcAft>
+                <a:spcPts val="0"/>
+              </a:spcAft>
+              <a:buNone/>
+            </a:pPr>
+            <a:r>
+              <a:rPr lang="zh-TW" sz="2400">
+                <a:solidFill>
+                  <a:schemeClr val="lt1"/>
+                </a:solidFill>
+                <a:latin typeface="Roboto"/>
+                <a:ea typeface="Roboto"/>
+                <a:cs typeface="Roboto"/>
+                <a:sym typeface="Roboto"/>
+              </a:rPr>
+              <a:t>隨機食譜</a:t>
+            </a:r>
+            <a:endParaRPr sz="2400">
+              <a:solidFill>
+                <a:schemeClr val="lt1"/>
+              </a:solidFill>
+              <a:latin typeface="Roboto"/>
+              <a:ea typeface="Roboto"/>
+              <a:cs typeface="Roboto"/>
+              <a:sym typeface="Roboto"/>
+            </a:endParaRPr>
+          </a:p>
+        </p:txBody>
+      </p:sp>
       <p:cxnSp>
         <p:nvCxnSpPr>
-          <p:cNvPr id="118" name="Google Shape;118;p16"/>
-          <p:cNvCxnSpPr/>
+          <p:cNvPr id="119" name="Google Shape;119;p16"/>
+          <p:cNvCxnSpPr>
+            <a:endCxn id="118" idx="1"/>
+          </p:cNvCxnSpPr>
           <p:nvPr/>
         </p:nvCxnSpPr>
         <p:spPr>
-          <a:xfrm>
-            <a:off x="2497250" y="2033000"/>
-            <a:ext cx="603600" cy="0"/>
+          <a:xfrm flipH="1" rot="10800000">
+            <a:off x="6003275" y="3015250"/>
+            <a:ext cx="663600" cy="12900"/>
           </a:xfrm>
           <a:prstGeom prst="straightConnector1">
             <a:avLst/>
@@ -9274,14 +9403,16 @@
       </p:cxnSp>
       <p:cxnSp>
         <p:nvCxnSpPr>
-          <p:cNvPr id="119" name="Google Shape;119;p16"/>
-          <p:cNvCxnSpPr/>
+          <p:cNvPr id="120" name="Google Shape;120;p16"/>
+          <p:cNvCxnSpPr>
+            <a:endCxn id="112" idx="2"/>
+          </p:cNvCxnSpPr>
           <p:nvPr/>
         </p:nvCxnSpPr>
         <p:spPr>
-          <a:xfrm flipH="1">
-            <a:off x="5200550" y="1994475"/>
-            <a:ext cx="1534800" cy="19200"/>
+          <a:xfrm rot="10800000">
+            <a:off x="5960825" y="1758400"/>
+            <a:ext cx="48900" cy="1289100"/>
           </a:xfrm>
           <a:prstGeom prst="straightConnector1">
             <a:avLst/>
@@ -9294,7 +9425,7 @@
             <a:prstDash val="solid"/>
             <a:round/>
             <a:headEnd len="med" w="med" type="none"/>
-            <a:tailEnd len="med" w="med" type="triangle"/>
+            <a:tailEnd len="med" w="med" type="none"/>
           </a:ln>
         </p:spPr>
       </p:cxnSp>
@@ -9311,7 +9442,7 @@
   <p:cSld>
     <p:spTree>
       <p:nvGrpSpPr>
-        <p:cNvPr id="123" name="Shape 123"/>
+        <p:cNvPr id="124" name="Shape 124"/>
         <p:cNvGrpSpPr/>
         <p:nvPr/>
       </p:nvGrpSpPr>
@@ -9325,7 +9456,7 @@
       </p:grpSpPr>
       <p:sp>
         <p:nvSpPr>
-          <p:cNvPr id="124" name="Google Shape;124;p17"/>
+          <p:cNvPr id="125" name="Google Shape;125;p17"/>
           <p:cNvSpPr txBox="1"/>
           <p:nvPr>
             <p:ph type="title"/>
@@ -9365,7 +9496,7 @@
       </p:sp>
       <p:sp>
         <p:nvSpPr>
-          <p:cNvPr id="125" name="Google Shape;125;p17"/>
+          <p:cNvPr id="126" name="Google Shape;126;p17"/>
           <p:cNvSpPr txBox="1"/>
           <p:nvPr>
             <p:ph idx="1" type="body"/>
@@ -9745,7 +9876,7 @@
   <p:cSld>
     <p:spTree>
       <p:nvGrpSpPr>
-        <p:cNvPr id="129" name="Shape 129"/>
+        <p:cNvPr id="130" name="Shape 130"/>
         <p:cNvGrpSpPr/>
         <p:nvPr/>
       </p:nvGrpSpPr>
@@ -9759,7 +9890,7 @@
       </p:grpSpPr>
       <p:sp>
         <p:nvSpPr>
-          <p:cNvPr id="130" name="Google Shape;130;p18"/>
+          <p:cNvPr id="131" name="Google Shape;131;p18"/>
           <p:cNvSpPr txBox="1"/>
           <p:nvPr>
             <p:ph type="title"/>
@@ -9799,7 +9930,7 @@
       </p:sp>
       <p:sp>
         <p:nvSpPr>
-          <p:cNvPr id="131" name="Google Shape;131;p18"/>
+          <p:cNvPr id="132" name="Google Shape;132;p18"/>
           <p:cNvSpPr txBox="1"/>
           <p:nvPr>
             <p:ph idx="1" type="body"/>
@@ -9862,29 +9993,9 @@
                 <a:cs typeface="Arial"/>
                 <a:sym typeface="Arial"/>
               </a:rPr>
-              <a:t>網頁整體結構以及版面設計、食譜搜尋功能、食譜卡彈出視窗</a:t>
+              <a:t>網頁整體結構以及版面設計、食譜搜尋功能、食譜卡彈出視窗、隨機食譜推薦功能</a:t>
             </a:r>
             <a:endParaRPr sz="2000">
-              <a:latin typeface="Arial"/>
-              <a:ea typeface="Arial"/>
-              <a:cs typeface="Arial"/>
-              <a:sym typeface="Arial"/>
-            </a:endParaRPr>
-          </a:p>
-          <a:p>
-            <a:pPr indent="0" lvl="0" marL="0" rtl="0" algn="l">
-              <a:spcBef>
-                <a:spcPts val="1200"/>
-              </a:spcBef>
-              <a:spcAft>
-                <a:spcPts val="0"/>
-              </a:spcAft>
-              <a:buNone/>
-            </a:pPr>
-            <a:r>
-              <a:t/>
-            </a:r>
-            <a:endParaRPr b="1" sz="2000">
               <a:latin typeface="Arial"/>
               <a:ea typeface="Arial"/>
               <a:cs typeface="Arial"/>
@@ -9954,6 +10065,285 @@
 </file>
 
 <file path=ppt/theme/theme1.xml><?xml version="1.0" encoding="utf-8"?>
+<a:theme xmlns:a="http://schemas.openxmlformats.org/drawingml/2006/main" xmlns:r="http://schemas.openxmlformats.org/officeDocument/2006/relationships">
+  <a:themeElements>
+    <a:clrScheme name="Default">
+      <a:dk1>
+        <a:srgbClr val="000000"/>
+      </a:dk1>
+      <a:lt1>
+        <a:srgbClr val="FFFFFF"/>
+      </a:lt1>
+      <a:dk2>
+        <a:srgbClr val="158158"/>
+      </a:dk2>
+      <a:lt2>
+        <a:srgbClr val="F3F3F3"/>
+      </a:lt2>
+      <a:accent1>
+        <a:srgbClr val="058DC7"/>
+      </a:accent1>
+      <a:accent2>
+        <a:srgbClr val="50B432"/>
+      </a:accent2>
+      <a:accent3>
+        <a:srgbClr val="ED561B"/>
+      </a:accent3>
+      <a:accent4>
+        <a:srgbClr val="EDEF00"/>
+      </a:accent4>
+      <a:accent5>
+        <a:srgbClr val="24CBE5"/>
+      </a:accent5>
+      <a:accent6>
+        <a:srgbClr val="64E572"/>
+      </a:accent6>
+      <a:hlink>
+        <a:srgbClr val="2200CC"/>
+      </a:hlink>
+      <a:folHlink>
+        <a:srgbClr val="551A8B"/>
+      </a:folHlink>
+    </a:clrScheme>
+    <a:fontScheme name="Office">
+      <a:majorFont>
+        <a:latin typeface="Arial"/>
+        <a:ea typeface=""/>
+        <a:cs typeface=""/>
+        <a:font script="Jpan" typeface="ＭＳ Ｐゴシック"/>
+        <a:font script="Hang" typeface="맑은 고딕"/>
+        <a:font script="Hans" typeface="宋体"/>
+        <a:font script="Hant" typeface="新細明體"/>
+        <a:font script="Arab" typeface="Times New Roman"/>
+        <a:font script="Hebr" typeface="Times New Roman"/>
+        <a:font script="Thai" typeface="Angsana New"/>
+        <a:font script="Ethi" typeface="Nyala"/>
+        <a:font script="Beng" typeface="Vrinda"/>
+        <a:font script="Gujr" typeface="Shruti"/>
+        <a:font script="Khmr" typeface="MoolBoran"/>
+        <a:font script="Knda" typeface="Tunga"/>
+        <a:font script="Guru" typeface="Raavi"/>
+        <a:font script="Cans" typeface="Euphemia"/>
+        <a:font script="Cher" typeface="Plantagenet Cherokee"/>
+        <a:font script="Yiii" typeface="Microsoft Yi Baiti"/>
+        <a:font script="Tibt" typeface="Microsoft Himalaya"/>
+        <a:font script="Thaa" typeface="MV Boli"/>
+        <a:font script="Deva" typeface="Mangal"/>
+        <a:font script="Telu" typeface="Gautami"/>
+        <a:font script="Taml" typeface="Latha"/>
+        <a:font script="Syrc" typeface="Estrangelo Edessa"/>
+        <a:font script="Orya" typeface="Kalinga"/>
+        <a:font script="Mlym" typeface="Kartika"/>
+        <a:font script="Laoo" typeface="DokChampa"/>
+        <a:font script="Sinh" typeface="Iskoola Pota"/>
+        <a:font script="Mong" typeface="Mongolian Baiti"/>
+        <a:font script="Viet" typeface="Times New Roman"/>
+        <a:font script="Uigh" typeface="Microsoft Uighur"/>
+        <a:font script="Geor" typeface="Sylfaen"/>
+      </a:majorFont>
+      <a:minorFont>
+        <a:latin typeface="Arial"/>
+        <a:ea typeface=""/>
+        <a:cs typeface=""/>
+        <a:font script="Jpan" typeface="ＭＳ Ｐゴシック"/>
+        <a:font script="Hang" typeface="맑은 고딕"/>
+        <a:font script="Hans" typeface="宋体"/>
+        <a:font script="Hant" typeface="新細明體"/>
+        <a:font script="Arab" typeface="Arial"/>
+        <a:font script="Hebr" typeface="Arial"/>
+        <a:font script="Thai" typeface="Cordia New"/>
+        <a:font script="Ethi" typeface="Nyala"/>
+        <a:font script="Beng" typeface="Vrinda"/>
+        <a:font script="Gujr" typeface="Shruti"/>
+        <a:font script="Khmr" typeface="DaunPenh"/>
+        <a:font script="Knda" typeface="Tunga"/>
+        <a:font script="Guru" typeface="Raavi"/>
+        <a:font script="Cans" typeface="Euphemia"/>
+        <a:font script="Cher" typeface="Plantagenet Cherokee"/>
+        <a:font script="Yiii" typeface="Microsoft Yi Baiti"/>
+        <a:font script="Tibt" typeface="Microsoft Himalaya"/>
+        <a:font script="Thaa" typeface="MV Boli"/>
+        <a:font script="Deva" typeface="Mangal"/>
+        <a:font script="Telu" typeface="Gautami"/>
+        <a:font script="Taml" typeface="Latha"/>
+        <a:font script="Syrc" typeface="Estrangelo Edessa"/>
+        <a:font script="Orya" typeface="Kalinga"/>
+        <a:font script="Mlym" typeface="Kartika"/>
+        <a:font script="Laoo" typeface="DokChampa"/>
+        <a:font script="Sinh" typeface="Iskoola Pota"/>
+        <a:font script="Mong" typeface="Mongolian Baiti"/>
+        <a:font script="Viet" typeface="Arial"/>
+        <a:font script="Uigh" typeface="Microsoft Uighur"/>
+        <a:font script="Geor" typeface="Sylfaen"/>
+      </a:minorFont>
+    </a:fontScheme>
+    <a:fmtScheme name="Office">
+      <a:fillStyleLst>
+        <a:solidFill>
+          <a:schemeClr val="phClr"/>
+        </a:solidFill>
+        <a:gradFill rotWithShape="1">
+          <a:gsLst>
+            <a:gs pos="0">
+              <a:schemeClr val="phClr">
+                <a:tint val="50000"/>
+                <a:satMod val="300000"/>
+              </a:schemeClr>
+            </a:gs>
+            <a:gs pos="35000">
+              <a:schemeClr val="phClr">
+                <a:tint val="37000"/>
+                <a:satMod val="300000"/>
+              </a:schemeClr>
+            </a:gs>
+            <a:gs pos="100000">
+              <a:schemeClr val="phClr">
+                <a:tint val="15000"/>
+                <a:satMod val="350000"/>
+              </a:schemeClr>
+            </a:gs>
+          </a:gsLst>
+          <a:lin ang="16200000" scaled="1"/>
+        </a:gradFill>
+        <a:gradFill rotWithShape="1">
+          <a:gsLst>
+            <a:gs pos="0">
+              <a:schemeClr val="phClr">
+                <a:tint val="100000"/>
+                <a:shade val="100000"/>
+                <a:satMod val="130000"/>
+              </a:schemeClr>
+            </a:gs>
+            <a:gs pos="100000">
+              <a:schemeClr val="phClr">
+                <a:tint val="50000"/>
+                <a:shade val="100000"/>
+                <a:satMod val="350000"/>
+              </a:schemeClr>
+            </a:gs>
+          </a:gsLst>
+          <a:lin ang="16200000" scaled="0"/>
+        </a:gradFill>
+      </a:fillStyleLst>
+      <a:lnStyleLst>
+        <a:ln w="9525" cap="flat" cmpd="sng" algn="ctr">
+          <a:solidFill>
+            <a:schemeClr val="phClr">
+              <a:shade val="95000"/>
+              <a:satMod val="105000"/>
+            </a:schemeClr>
+          </a:solidFill>
+          <a:prstDash val="solid"/>
+        </a:ln>
+        <a:ln w="25400" cap="flat" cmpd="sng" algn="ctr">
+          <a:solidFill>
+            <a:schemeClr val="phClr"/>
+          </a:solidFill>
+          <a:prstDash val="solid"/>
+        </a:ln>
+        <a:ln w="38100" cap="flat" cmpd="sng" algn="ctr">
+          <a:solidFill>
+            <a:schemeClr val="phClr"/>
+          </a:solidFill>
+          <a:prstDash val="solid"/>
+        </a:ln>
+      </a:lnStyleLst>
+      <a:effectStyleLst>
+        <a:effectStyle>
+          <a:effectLst>
+            <a:outerShdw blurRad="40000" dist="20000" dir="5400000" rotWithShape="0">
+              <a:srgbClr val="000000">
+                <a:alpha val="38000"/>
+              </a:srgbClr>
+            </a:outerShdw>
+          </a:effectLst>
+        </a:effectStyle>
+        <a:effectStyle>
+          <a:effectLst>
+            <a:outerShdw blurRad="40000" dist="23000" dir="5400000" rotWithShape="0">
+              <a:srgbClr val="000000">
+                <a:alpha val="35000"/>
+              </a:srgbClr>
+            </a:outerShdw>
+          </a:effectLst>
+        </a:effectStyle>
+        <a:effectStyle>
+          <a:effectLst>
+            <a:outerShdw blurRad="40000" dist="23000" dir="5400000" rotWithShape="0">
+              <a:srgbClr val="000000">
+                <a:alpha val="35000"/>
+              </a:srgbClr>
+            </a:outerShdw>
+          </a:effectLst>
+          <a:scene3d>
+            <a:camera prst="orthographicFront">
+              <a:rot lat="0" lon="0" rev="0"/>
+            </a:camera>
+            <a:lightRig rig="threePt" dir="t">
+              <a:rot lat="0" lon="0" rev="1200000"/>
+            </a:lightRig>
+          </a:scene3d>
+          <a:sp3d>
+            <a:bevelT w="63500" h="25400"/>
+          </a:sp3d>
+        </a:effectStyle>
+      </a:effectStyleLst>
+      <a:bgFillStyleLst>
+        <a:solidFill>
+          <a:schemeClr val="phClr"/>
+        </a:solidFill>
+        <a:gradFill rotWithShape="1">
+          <a:gsLst>
+            <a:gs pos="0">
+              <a:schemeClr val="phClr">
+                <a:tint val="40000"/>
+                <a:satMod val="350000"/>
+              </a:schemeClr>
+            </a:gs>
+            <a:gs pos="40000">
+              <a:schemeClr val="phClr">
+                <a:tint val="45000"/>
+                <a:shade val="99000"/>
+                <a:satMod val="350000"/>
+              </a:schemeClr>
+            </a:gs>
+            <a:gs pos="100000">
+              <a:schemeClr val="phClr">
+                <a:shade val="20000"/>
+                <a:satMod val="255000"/>
+              </a:schemeClr>
+            </a:gs>
+          </a:gsLst>
+          <a:path path="circle">
+            <a:fillToRect l="50000" t="-80000" r="50000" b="180000"/>
+          </a:path>
+        </a:gradFill>
+        <a:gradFill rotWithShape="1">
+          <a:gsLst>
+            <a:gs pos="0">
+              <a:schemeClr val="phClr">
+                <a:tint val="80000"/>
+                <a:satMod val="300000"/>
+              </a:schemeClr>
+            </a:gs>
+            <a:gs pos="100000">
+              <a:schemeClr val="phClr">
+                <a:shade val="30000"/>
+                <a:satMod val="200000"/>
+              </a:schemeClr>
+            </a:gs>
+          </a:gsLst>
+          <a:path path="circle">
+            <a:fillToRect l="50000" t="50000" r="50000" b="50000"/>
+          </a:path>
+        </a:gradFill>
+      </a:bgFillStyleLst>
+    </a:fmtScheme>
+  </a:themeElements>
+</a:theme>
+</file>
+
+<file path=ppt/theme/theme2.xml><?xml version="1.0" encoding="utf-8"?>
 <a:theme xmlns:a="http://schemas.openxmlformats.org/drawingml/2006/main" xmlns:r="http://schemas.openxmlformats.org/officeDocument/2006/relationships" name="Geometric">
   <a:themeElements>
     <a:clrScheme name="Geometric">
@@ -10230,283 +10620,4 @@
     </a:fmtScheme>
   </a:themeElements>
 </a:theme>
-</file>
-
-<file path=ppt/theme/theme2.xml><?xml version="1.0" encoding="utf-8"?>
-<a:theme xmlns:a="http://schemas.openxmlformats.org/drawingml/2006/main" xmlns:r="http://schemas.openxmlformats.org/officeDocument/2006/relationships">
-  <a:themeElements>
-    <a:clrScheme name="Default">
-      <a:dk1>
-        <a:srgbClr val="000000"/>
-      </a:dk1>
-      <a:lt1>
-        <a:srgbClr val="FFFFFF"/>
-      </a:lt1>
-      <a:dk2>
-        <a:srgbClr val="158158"/>
-      </a:dk2>
-      <a:lt2>
-        <a:srgbClr val="F3F3F3"/>
-      </a:lt2>
-      <a:accent1>
-        <a:srgbClr val="058DC7"/>
-      </a:accent1>
-      <a:accent2>
-        <a:srgbClr val="50B432"/>
-      </a:accent2>
-      <a:accent3>
-        <a:srgbClr val="ED561B"/>
-      </a:accent3>
-      <a:accent4>
-        <a:srgbClr val="EDEF00"/>
-      </a:accent4>
-      <a:accent5>
-        <a:srgbClr val="24CBE5"/>
-      </a:accent5>
-      <a:accent6>
-        <a:srgbClr val="64E572"/>
-      </a:accent6>
-      <a:hlink>
-        <a:srgbClr val="2200CC"/>
-      </a:hlink>
-      <a:folHlink>
-        <a:srgbClr val="551A8B"/>
-      </a:folHlink>
-    </a:clrScheme>
-    <a:fontScheme name="Office">
-      <a:majorFont>
-        <a:latin typeface="Arial"/>
-        <a:ea typeface=""/>
-        <a:cs typeface=""/>
-        <a:font script="Jpan" typeface="ＭＳ Ｐゴシック"/>
-        <a:font script="Hang" typeface="맑은 고딕"/>
-        <a:font script="Hans" typeface="宋体"/>
-        <a:font script="Hant" typeface="新細明體"/>
-        <a:font script="Arab" typeface="Times New Roman"/>
-        <a:font script="Hebr" typeface="Times New Roman"/>
-        <a:font script="Thai" typeface="Angsana New"/>
-        <a:font script="Ethi" typeface="Nyala"/>
-        <a:font script="Beng" typeface="Vrinda"/>
-        <a:font script="Gujr" typeface="Shruti"/>
-        <a:font script="Khmr" typeface="MoolBoran"/>
-        <a:font script="Knda" typeface="Tunga"/>
-        <a:font script="Guru" typeface="Raavi"/>
-        <a:font script="Cans" typeface="Euphemia"/>
-        <a:font script="Cher" typeface="Plantagenet Cherokee"/>
-        <a:font script="Yiii" typeface="Microsoft Yi Baiti"/>
-        <a:font script="Tibt" typeface="Microsoft Himalaya"/>
-        <a:font script="Thaa" typeface="MV Boli"/>
-        <a:font script="Deva" typeface="Mangal"/>
-        <a:font script="Telu" typeface="Gautami"/>
-        <a:font script="Taml" typeface="Latha"/>
-        <a:font script="Syrc" typeface="Estrangelo Edessa"/>
-        <a:font script="Orya" typeface="Kalinga"/>
-        <a:font script="Mlym" typeface="Kartika"/>
-        <a:font script="Laoo" typeface="DokChampa"/>
-        <a:font script="Sinh" typeface="Iskoola Pota"/>
-        <a:font script="Mong" typeface="Mongolian Baiti"/>
-        <a:font script="Viet" typeface="Times New Roman"/>
-        <a:font script="Uigh" typeface="Microsoft Uighur"/>
-        <a:font script="Geor" typeface="Sylfaen"/>
-      </a:majorFont>
-      <a:minorFont>
-        <a:latin typeface="Arial"/>
-        <a:ea typeface=""/>
-        <a:cs typeface=""/>
-        <a:font script="Jpan" typeface="ＭＳ Ｐゴシック"/>
-        <a:font script="Hang" typeface="맑은 고딕"/>
-        <a:font script="Hans" typeface="宋体"/>
-        <a:font script="Hant" typeface="新細明體"/>
-        <a:font script="Arab" typeface="Arial"/>
-        <a:font script="Hebr" typeface="Arial"/>
-        <a:font script="Thai" typeface="Cordia New"/>
-        <a:font script="Ethi" typeface="Nyala"/>
-        <a:font script="Beng" typeface="Vrinda"/>
-        <a:font script="Gujr" typeface="Shruti"/>
-        <a:font script="Khmr" typeface="DaunPenh"/>
-        <a:font script="Knda" typeface="Tunga"/>
-        <a:font script="Guru" typeface="Raavi"/>
-        <a:font script="Cans" typeface="Euphemia"/>
-        <a:font script="Cher" typeface="Plantagenet Cherokee"/>
-        <a:font script="Yiii" typeface="Microsoft Yi Baiti"/>
-        <a:font script="Tibt" typeface="Microsoft Himalaya"/>
-        <a:font script="Thaa" typeface="MV Boli"/>
-        <a:font script="Deva" typeface="Mangal"/>
-        <a:font script="Telu" typeface="Gautami"/>
-        <a:font script="Taml" typeface="Latha"/>
-        <a:font script="Syrc" typeface="Estrangelo Edessa"/>
-        <a:font script="Orya" typeface="Kalinga"/>
-        <a:font script="Mlym" typeface="Kartika"/>
-        <a:font script="Laoo" typeface="DokChampa"/>
-        <a:font script="Sinh" typeface="Iskoola Pota"/>
-        <a:font script="Mong" typeface="Mongolian Baiti"/>
-        <a:font script="Viet" typeface="Arial"/>
-        <a:font script="Uigh" typeface="Microsoft Uighur"/>
-        <a:font script="Geor" typeface="Sylfaen"/>
-      </a:minorFont>
-    </a:fontScheme>
-    <a:fmtScheme name="Office">
-      <a:fillStyleLst>
-        <a:solidFill>
-          <a:schemeClr val="phClr"/>
-        </a:solidFill>
-        <a:gradFill rotWithShape="1">
-          <a:gsLst>
-            <a:gs pos="0">
-              <a:schemeClr val="phClr">
-                <a:tint val="50000"/>
-                <a:satMod val="300000"/>
-              </a:schemeClr>
-            </a:gs>
-            <a:gs pos="35000">
-              <a:schemeClr val="phClr">
-                <a:tint val="37000"/>
-                <a:satMod val="300000"/>
-              </a:schemeClr>
-            </a:gs>
-            <a:gs pos="100000">
-              <a:schemeClr val="phClr">
-                <a:tint val="15000"/>
-                <a:satMod val="350000"/>
-              </a:schemeClr>
-            </a:gs>
-          </a:gsLst>
-          <a:lin ang="16200000" scaled="1"/>
-        </a:gradFill>
-        <a:gradFill rotWithShape="1">
-          <a:gsLst>
-            <a:gs pos="0">
-              <a:schemeClr val="phClr">
-                <a:tint val="100000"/>
-                <a:shade val="100000"/>
-                <a:satMod val="130000"/>
-              </a:schemeClr>
-            </a:gs>
-            <a:gs pos="100000">
-              <a:schemeClr val="phClr">
-                <a:tint val="50000"/>
-                <a:shade val="100000"/>
-                <a:satMod val="350000"/>
-              </a:schemeClr>
-            </a:gs>
-          </a:gsLst>
-          <a:lin ang="16200000" scaled="0"/>
-        </a:gradFill>
-      </a:fillStyleLst>
-      <a:lnStyleLst>
-        <a:ln w="9525" cap="flat" cmpd="sng" algn="ctr">
-          <a:solidFill>
-            <a:schemeClr val="phClr">
-              <a:shade val="95000"/>
-              <a:satMod val="105000"/>
-            </a:schemeClr>
-          </a:solidFill>
-          <a:prstDash val="solid"/>
-        </a:ln>
-        <a:ln w="25400" cap="flat" cmpd="sng" algn="ctr">
-          <a:solidFill>
-            <a:schemeClr val="phClr"/>
-          </a:solidFill>
-          <a:prstDash val="solid"/>
-        </a:ln>
-        <a:ln w="38100" cap="flat" cmpd="sng" algn="ctr">
-          <a:solidFill>
-            <a:schemeClr val="phClr"/>
-          </a:solidFill>
-          <a:prstDash val="solid"/>
-        </a:ln>
-      </a:lnStyleLst>
-      <a:effectStyleLst>
-        <a:effectStyle>
-          <a:effectLst>
-            <a:outerShdw blurRad="40000" dist="20000" dir="5400000" rotWithShape="0">
-              <a:srgbClr val="000000">
-                <a:alpha val="38000"/>
-              </a:srgbClr>
-            </a:outerShdw>
-          </a:effectLst>
-        </a:effectStyle>
-        <a:effectStyle>
-          <a:effectLst>
-            <a:outerShdw blurRad="40000" dist="23000" dir="5400000" rotWithShape="0">
-              <a:srgbClr val="000000">
-                <a:alpha val="35000"/>
-              </a:srgbClr>
-            </a:outerShdw>
-          </a:effectLst>
-        </a:effectStyle>
-        <a:effectStyle>
-          <a:effectLst>
-            <a:outerShdw blurRad="40000" dist="23000" dir="5400000" rotWithShape="0">
-              <a:srgbClr val="000000">
-                <a:alpha val="35000"/>
-              </a:srgbClr>
-            </a:outerShdw>
-          </a:effectLst>
-          <a:scene3d>
-            <a:camera prst="orthographicFront">
-              <a:rot lat="0" lon="0" rev="0"/>
-            </a:camera>
-            <a:lightRig rig="threePt" dir="t">
-              <a:rot lat="0" lon="0" rev="1200000"/>
-            </a:lightRig>
-          </a:scene3d>
-          <a:sp3d>
-            <a:bevelT w="63500" h="25400"/>
-          </a:sp3d>
-        </a:effectStyle>
-      </a:effectStyleLst>
-      <a:bgFillStyleLst>
-        <a:solidFill>
-          <a:schemeClr val="phClr"/>
-        </a:solidFill>
-        <a:gradFill rotWithShape="1">
-          <a:gsLst>
-            <a:gs pos="0">
-              <a:schemeClr val="phClr">
-                <a:tint val="40000"/>
-                <a:satMod val="350000"/>
-              </a:schemeClr>
-            </a:gs>
-            <a:gs pos="40000">
-              <a:schemeClr val="phClr">
-                <a:tint val="45000"/>
-                <a:shade val="99000"/>
-                <a:satMod val="350000"/>
-              </a:schemeClr>
-            </a:gs>
-            <a:gs pos="100000">
-              <a:schemeClr val="phClr">
-                <a:shade val="20000"/>
-                <a:satMod val="255000"/>
-              </a:schemeClr>
-            </a:gs>
-          </a:gsLst>
-          <a:path path="circle">
-            <a:fillToRect l="50000" t="-80000" r="50000" b="180000"/>
-          </a:path>
-        </a:gradFill>
-        <a:gradFill rotWithShape="1">
-          <a:gsLst>
-            <a:gs pos="0">
-              <a:schemeClr val="phClr">
-                <a:tint val="80000"/>
-                <a:satMod val="300000"/>
-              </a:schemeClr>
-            </a:gs>
-            <a:gs pos="100000">
-              <a:schemeClr val="phClr">
-                <a:shade val="30000"/>
-                <a:satMod val="200000"/>
-              </a:schemeClr>
-            </a:gs>
-          </a:gsLst>
-          <a:path path="circle">
-            <a:fillToRect l="50000" t="50000" r="50000" b="50000"/>
-          </a:path>
-        </a:gradFill>
-      </a:bgFillStyleLst>
-    </a:fmtScheme>
-  </a:themeElements>
-</a:theme>
 </file>
--- a/public/files/食譜搜尋器_01357026_01357028.pptx
+++ b/public/files/食譜搜尋器_01357026_01357028.pptx
@@ -8193,10 +8193,6 @@
                 <a:solidFill>
                   <a:srgbClr val="000000"/>
                 </a:solidFill>
-                <a:latin typeface="Arial"/>
-                <a:ea typeface="Arial"/>
-                <a:cs typeface="Arial"/>
-                <a:sym typeface="Arial"/>
               </a:rPr>
               <a:t>希望製作一個</a:t>
             </a:r>
@@ -8205,10 +8201,6 @@
                 <a:solidFill>
                   <a:srgbClr val="000000"/>
                 </a:solidFill>
-                <a:latin typeface="Arial"/>
-                <a:ea typeface="Arial"/>
-                <a:cs typeface="Arial"/>
-                <a:sym typeface="Arial"/>
               </a:rPr>
               <a:t>操作容易且介面乾淨簡潔</a:t>
             </a:r>
@@ -8217,10 +8209,6 @@
                 <a:solidFill>
                   <a:srgbClr val="000000"/>
                 </a:solidFill>
-                <a:latin typeface="Arial"/>
-                <a:ea typeface="Arial"/>
-                <a:cs typeface="Arial"/>
-                <a:sym typeface="Arial"/>
               </a:rPr>
               <a:t>的食譜搜尋網站，讓使用者可以快速透過</a:t>
             </a:r>
@@ -8229,10 +8217,6 @@
                 <a:solidFill>
                   <a:srgbClr val="000000"/>
                 </a:solidFill>
-                <a:latin typeface="Arial"/>
-                <a:ea typeface="Arial"/>
-                <a:cs typeface="Arial"/>
-                <a:sym typeface="Arial"/>
               </a:rPr>
               <a:t>食材名稱</a:t>
             </a:r>
@@ -8241,10 +8225,6 @@
                 <a:solidFill>
                   <a:srgbClr val="000000"/>
                 </a:solidFill>
-                <a:latin typeface="Arial"/>
-                <a:ea typeface="Arial"/>
-                <a:cs typeface="Arial"/>
-                <a:sym typeface="Arial"/>
               </a:rPr>
               <a:t>來查詢各種食譜，並且支援</a:t>
             </a:r>
@@ -8253,10 +8233,6 @@
                 <a:solidFill>
                   <a:srgbClr val="000000"/>
                 </a:solidFill>
-                <a:latin typeface="Arial"/>
-                <a:ea typeface="Arial"/>
-                <a:cs typeface="Arial"/>
-                <a:sym typeface="Arial"/>
               </a:rPr>
               <a:t>收藏功能</a:t>
             </a:r>
@@ -8265,10 +8241,6 @@
                 <a:solidFill>
                   <a:srgbClr val="000000"/>
                 </a:solidFill>
-                <a:latin typeface="Arial"/>
-                <a:ea typeface="Arial"/>
-                <a:cs typeface="Arial"/>
-                <a:sym typeface="Arial"/>
               </a:rPr>
               <a:t>，在不知道做什麼料理的時候也可以透過</a:t>
             </a:r>
@@ -8277,10 +8249,6 @@
                 <a:solidFill>
                   <a:srgbClr val="000000"/>
                 </a:solidFill>
-                <a:latin typeface="Arial"/>
-                <a:ea typeface="Arial"/>
-                <a:cs typeface="Arial"/>
-                <a:sym typeface="Arial"/>
               </a:rPr>
               <a:t>隨機食譜功能</a:t>
             </a:r>
@@ -8289,10 +8257,6 @@
                 <a:solidFill>
                   <a:srgbClr val="000000"/>
                 </a:solidFill>
-                <a:latin typeface="Arial"/>
-                <a:ea typeface="Arial"/>
-                <a:cs typeface="Arial"/>
-                <a:sym typeface="Arial"/>
               </a:rPr>
               <a:t>找尋更多靈感。</a:t>
             </a:r>
@@ -8416,29 +8380,14 @@
               <a:buChar char="●"/>
             </a:pPr>
             <a:r>
-              <a:rPr b="1" lang="zh-TW" sz="2000">
-                <a:latin typeface="Arial"/>
-                <a:ea typeface="Arial"/>
-                <a:cs typeface="Arial"/>
-                <a:sym typeface="Arial"/>
-              </a:rPr>
+              <a:rPr b="1" lang="zh-TW" sz="2000"/>
               <a:t>關鍵字搜尋</a:t>
             </a:r>
             <a:r>
-              <a:rPr lang="zh-TW" sz="2000">
-                <a:latin typeface="Arial"/>
-                <a:ea typeface="Arial"/>
-                <a:cs typeface="Arial"/>
-                <a:sym typeface="Arial"/>
-              </a:rPr>
+              <a:rPr lang="zh-TW" sz="2000"/>
               <a:t>：輸入食材即可查詢相關食譜。</a:t>
             </a:r>
-            <a:endParaRPr sz="2000">
-              <a:latin typeface="Arial"/>
-              <a:ea typeface="Arial"/>
-              <a:cs typeface="Arial"/>
-              <a:sym typeface="Arial"/>
-            </a:endParaRPr>
+            <a:endParaRPr sz="2000"/>
           </a:p>
           <a:p>
             <a:pPr indent="-355600" lvl="0" marL="457200" rtl="0" algn="l">
@@ -8453,29 +8402,14 @@
               <a:buChar char="●"/>
             </a:pPr>
             <a:r>
-              <a:rPr b="1" lang="zh-TW" sz="2000">
-                <a:latin typeface="Arial"/>
-                <a:ea typeface="Arial"/>
-                <a:cs typeface="Arial"/>
-                <a:sym typeface="Arial"/>
-              </a:rPr>
+              <a:rPr b="1" lang="zh-TW" sz="2000"/>
               <a:t>卡片化展示</a:t>
             </a:r>
             <a:r>
-              <a:rPr lang="zh-TW" sz="2000">
-                <a:latin typeface="Arial"/>
-                <a:ea typeface="Arial"/>
-                <a:cs typeface="Arial"/>
-                <a:sym typeface="Arial"/>
-              </a:rPr>
+              <a:rPr lang="zh-TW" sz="2000"/>
               <a:t>：以卡片形式顯示簡化資訊，可透過點擊查看詳細內容。</a:t>
             </a:r>
-            <a:endParaRPr sz="2000">
-              <a:latin typeface="Arial"/>
-              <a:ea typeface="Arial"/>
-              <a:cs typeface="Arial"/>
-              <a:sym typeface="Arial"/>
-            </a:endParaRPr>
+            <a:endParaRPr sz="2000"/>
           </a:p>
           <a:p>
             <a:pPr indent="-355600" lvl="0" marL="457200" rtl="0" algn="l">
@@ -8490,29 +8424,14 @@
               <a:buChar char="●"/>
             </a:pPr>
             <a:r>
-              <a:rPr b="1" lang="zh-TW" sz="2000">
-                <a:latin typeface="Arial"/>
-                <a:ea typeface="Arial"/>
-                <a:cs typeface="Arial"/>
-                <a:sym typeface="Arial"/>
-              </a:rPr>
+              <a:rPr b="1" lang="zh-TW" sz="2000"/>
               <a:t>登入/註冊：</a:t>
             </a:r>
             <a:r>
-              <a:rPr lang="zh-TW" sz="2000">
-                <a:latin typeface="Arial"/>
-                <a:ea typeface="Arial"/>
-                <a:cs typeface="Arial"/>
-                <a:sym typeface="Arial"/>
-              </a:rPr>
+              <a:rPr lang="zh-TW" sz="2000"/>
               <a:t>配合收藏功能，能夠保留個人資訊。</a:t>
             </a:r>
-            <a:endParaRPr sz="2000">
-              <a:latin typeface="Arial"/>
-              <a:ea typeface="Arial"/>
-              <a:cs typeface="Arial"/>
-              <a:sym typeface="Arial"/>
-            </a:endParaRPr>
+            <a:endParaRPr sz="2000"/>
           </a:p>
           <a:p>
             <a:pPr indent="-355600" lvl="0" marL="457200" rtl="0" algn="l">
@@ -8527,29 +8446,14 @@
               <a:buChar char="●"/>
             </a:pPr>
             <a:r>
-              <a:rPr b="1" lang="zh-TW" sz="2000">
-                <a:latin typeface="Arial"/>
-                <a:ea typeface="Arial"/>
-                <a:cs typeface="Arial"/>
-                <a:sym typeface="Arial"/>
-              </a:rPr>
+              <a:rPr b="1" lang="zh-TW" sz="2000"/>
               <a:t>收藏功能：</a:t>
             </a:r>
             <a:r>
-              <a:rPr lang="zh-TW" sz="2000">
-                <a:latin typeface="Arial"/>
-                <a:ea typeface="Arial"/>
-                <a:cs typeface="Arial"/>
-                <a:sym typeface="Arial"/>
-              </a:rPr>
+              <a:rPr lang="zh-TW" sz="2000"/>
               <a:t>將喜歡的料理加入自己的食譜庫。</a:t>
             </a:r>
-            <a:endParaRPr sz="2000">
-              <a:latin typeface="Arial"/>
-              <a:ea typeface="Arial"/>
-              <a:cs typeface="Arial"/>
-              <a:sym typeface="Arial"/>
-            </a:endParaRPr>
+            <a:endParaRPr sz="2000"/>
           </a:p>
           <a:p>
             <a:pPr indent="-355600" lvl="0" marL="457200" rtl="0" algn="l">
@@ -8564,29 +8468,14 @@
               <a:buChar char="●"/>
             </a:pPr>
             <a:r>
-              <a:rPr b="1" lang="zh-TW" sz="2000">
-                <a:latin typeface="Arial"/>
-                <a:ea typeface="Arial"/>
-                <a:cs typeface="Arial"/>
-                <a:sym typeface="Arial"/>
-              </a:rPr>
+              <a:rPr b="1" lang="zh-TW" sz="2000"/>
               <a:t>隨機食譜：</a:t>
             </a:r>
             <a:r>
-              <a:rPr lang="zh-TW" sz="2000">
-                <a:latin typeface="Arial"/>
-                <a:ea typeface="Arial"/>
-                <a:cs typeface="Arial"/>
-                <a:sym typeface="Arial"/>
-              </a:rPr>
+              <a:rPr lang="zh-TW" sz="2000"/>
               <a:t>隨機推薦一個食譜給使用者。</a:t>
             </a:r>
-            <a:endParaRPr sz="2000">
-              <a:latin typeface="Arial"/>
-              <a:ea typeface="Arial"/>
-              <a:cs typeface="Arial"/>
-              <a:sym typeface="Arial"/>
-            </a:endParaRPr>
+            <a:endParaRPr sz="2000"/>
           </a:p>
         </p:txBody>
       </p:sp>
@@ -9615,10 +9504,6 @@
                 <a:highlight>
                   <a:srgbClr val="FFFFFF"/>
                 </a:highlight>
-                <a:latin typeface="Arial"/>
-                <a:ea typeface="Arial"/>
-                <a:cs typeface="Arial"/>
-                <a:sym typeface="Arial"/>
               </a:rPr>
               <a:t>TheMealDB API 以及後端伺服器</a:t>
             </a:r>
@@ -9626,10 +9511,6 @@
               <a:highlight>
                 <a:srgbClr val="FFFFFF"/>
               </a:highlight>
-              <a:latin typeface="Arial"/>
-              <a:ea typeface="Arial"/>
-              <a:cs typeface="Arial"/>
-              <a:sym typeface="Arial"/>
             </a:endParaRPr>
           </a:p>
           <a:p>
@@ -9648,10 +9529,6 @@
                 <a:highlight>
                   <a:srgbClr val="FFFFFF"/>
                 </a:highlight>
-                <a:latin typeface="Arial"/>
-                <a:ea typeface="Arial"/>
-                <a:cs typeface="Arial"/>
-                <a:sym typeface="Arial"/>
               </a:rPr>
               <a:t>JWT</a:t>
             </a:r>
@@ -9660,10 +9537,6 @@
                 <a:highlight>
                   <a:srgbClr val="FFFFFF"/>
                 </a:highlight>
-                <a:latin typeface="Arial"/>
-                <a:ea typeface="Arial"/>
-                <a:cs typeface="Arial"/>
-                <a:sym typeface="Arial"/>
               </a:rPr>
               <a:t>：使用者身分驗證</a:t>
             </a:r>
@@ -9671,10 +9544,6 @@
               <a:highlight>
                 <a:srgbClr val="FFFFFF"/>
               </a:highlight>
-              <a:latin typeface="Arial"/>
-              <a:ea typeface="Arial"/>
-              <a:cs typeface="Arial"/>
-              <a:sym typeface="Arial"/>
             </a:endParaRPr>
           </a:p>
           <a:p>
@@ -9694,10 +9563,6 @@
                 <a:highlight>
                   <a:srgbClr val="FFFFFF"/>
                 </a:highlight>
-                <a:latin typeface="Arial"/>
-                <a:ea typeface="Arial"/>
-                <a:cs typeface="Arial"/>
-                <a:sym typeface="Arial"/>
               </a:rPr>
               <a:t>bcrypt</a:t>
             </a:r>
@@ -9706,10 +9571,6 @@
                 <a:highlight>
                   <a:srgbClr val="FFFFFF"/>
                 </a:highlight>
-                <a:latin typeface="Arial"/>
-                <a:ea typeface="Arial"/>
-                <a:cs typeface="Arial"/>
-                <a:sym typeface="Arial"/>
               </a:rPr>
               <a:t>：密碼加密</a:t>
             </a:r>
@@ -9717,10 +9578,6 @@
               <a:highlight>
                 <a:srgbClr val="FFFFFF"/>
               </a:highlight>
-              <a:latin typeface="Arial"/>
-              <a:ea typeface="Arial"/>
-              <a:cs typeface="Arial"/>
-              <a:sym typeface="Arial"/>
             </a:endParaRPr>
           </a:p>
           <a:p>
@@ -9740,10 +9597,6 @@
                 <a:highlight>
                   <a:srgbClr val="FFFFFF"/>
                 </a:highlight>
-                <a:latin typeface="Arial"/>
-                <a:ea typeface="Arial"/>
-                <a:cs typeface="Arial"/>
-                <a:sym typeface="Arial"/>
               </a:rPr>
               <a:t>Node.js(Express) </a:t>
             </a:r>
@@ -9752,10 +9605,6 @@
                 <a:highlight>
                   <a:srgbClr val="FFFFFF"/>
                 </a:highlight>
-                <a:latin typeface="Arial"/>
-                <a:ea typeface="Arial"/>
-                <a:cs typeface="Arial"/>
-                <a:sym typeface="Arial"/>
               </a:rPr>
               <a:t>：後端伺服器，處理登入/註冊、收藏功能</a:t>
             </a:r>
@@ -9763,10 +9612,6 @@
               <a:highlight>
                 <a:srgbClr val="FFFFFF"/>
               </a:highlight>
-              <a:latin typeface="Arial"/>
-              <a:ea typeface="Arial"/>
-              <a:cs typeface="Arial"/>
-              <a:sym typeface="Arial"/>
             </a:endParaRPr>
           </a:p>
           <a:p>
@@ -9786,10 +9631,6 @@
                 <a:highlight>
                   <a:srgbClr val="FFFFFF"/>
                 </a:highlight>
-                <a:latin typeface="Arial"/>
-                <a:ea typeface="Arial"/>
-                <a:cs typeface="Arial"/>
-                <a:sym typeface="Arial"/>
               </a:rPr>
               <a:t>MongoDB Altas</a:t>
             </a:r>
@@ -9798,10 +9639,6 @@
                 <a:highlight>
                   <a:srgbClr val="FFFFFF"/>
                 </a:highlight>
-                <a:latin typeface="Arial"/>
-                <a:ea typeface="Arial"/>
-                <a:cs typeface="Arial"/>
-                <a:sym typeface="Arial"/>
               </a:rPr>
               <a:t>：記錄使用者資訊、食譜收藏庫</a:t>
             </a:r>
@@ -9809,10 +9646,6 @@
               <a:highlight>
                 <a:srgbClr val="FFFFFF"/>
               </a:highlight>
-              <a:latin typeface="Arial"/>
-              <a:ea typeface="Arial"/>
-              <a:cs typeface="Arial"/>
-              <a:sym typeface="Arial"/>
             </a:endParaRPr>
           </a:p>
           <a:p>
@@ -9832,10 +9665,6 @@
                 <a:highlight>
                   <a:srgbClr val="FFFFFF"/>
                 </a:highlight>
-                <a:latin typeface="Arial"/>
-                <a:ea typeface="Arial"/>
-                <a:cs typeface="Arial"/>
-                <a:sym typeface="Arial"/>
               </a:rPr>
               <a:t>Render</a:t>
             </a:r>
@@ -9844,10 +9673,6 @@
                 <a:highlight>
                   <a:srgbClr val="FFFFFF"/>
                 </a:highlight>
-                <a:latin typeface="Arial"/>
-                <a:ea typeface="Arial"/>
-                <a:cs typeface="Arial"/>
-                <a:sym typeface="Arial"/>
               </a:rPr>
               <a:t>：部署雲端伺服器</a:t>
             </a:r>
@@ -9855,10 +9680,6 @@
               <a:highlight>
                 <a:srgbClr val="FFFFFF"/>
               </a:highlight>
-              <a:latin typeface="Arial"/>
-              <a:ea typeface="Arial"/>
-              <a:cs typeface="Arial"/>
-              <a:sym typeface="Arial"/>
             </a:endParaRPr>
           </a:p>
         </p:txBody>
@@ -9961,20 +9782,10 @@
               <a:buNone/>
             </a:pPr>
             <a:r>
-              <a:rPr b="1" lang="zh-TW" sz="2000">
-                <a:latin typeface="Arial"/>
-                <a:ea typeface="Arial"/>
-                <a:cs typeface="Arial"/>
-                <a:sym typeface="Arial"/>
-              </a:rPr>
+              <a:rPr b="1" lang="zh-TW" sz="2000"/>
               <a:t>01357026 黃品傑：</a:t>
             </a:r>
-            <a:endParaRPr b="1" sz="2000">
-              <a:latin typeface="Arial"/>
-              <a:ea typeface="Arial"/>
-              <a:cs typeface="Arial"/>
-              <a:sym typeface="Arial"/>
-            </a:endParaRPr>
+            <a:endParaRPr b="1" sz="2000"/>
           </a:p>
           <a:p>
             <a:pPr indent="0" lvl="0" marL="0" rtl="0" algn="l">
@@ -9987,20 +9798,10 @@
               <a:buNone/>
             </a:pPr>
             <a:r>
-              <a:rPr lang="zh-TW" sz="2000">
-                <a:latin typeface="Arial"/>
-                <a:ea typeface="Arial"/>
-                <a:cs typeface="Arial"/>
-                <a:sym typeface="Arial"/>
-              </a:rPr>
+              <a:rPr lang="zh-TW" sz="2000"/>
               <a:t>網頁整體結構以及版面設計、食譜搜尋功能、食譜卡彈出視窗、隨機食譜推薦功能</a:t>
             </a:r>
-            <a:endParaRPr sz="2000">
-              <a:latin typeface="Arial"/>
-              <a:ea typeface="Arial"/>
-              <a:cs typeface="Arial"/>
-              <a:sym typeface="Arial"/>
-            </a:endParaRPr>
+            <a:endParaRPr sz="2000"/>
           </a:p>
           <a:p>
             <a:pPr indent="0" lvl="0" marL="0" rtl="0" algn="l">
@@ -10013,20 +9814,10 @@
               <a:buNone/>
             </a:pPr>
             <a:r>
-              <a:rPr b="1" lang="zh-TW" sz="2000">
-                <a:latin typeface="Arial"/>
-                <a:ea typeface="Arial"/>
-                <a:cs typeface="Arial"/>
-                <a:sym typeface="Arial"/>
-              </a:rPr>
+              <a:rPr b="1" lang="zh-TW" sz="2000"/>
               <a:t>01357028 林彥宇：</a:t>
             </a:r>
-            <a:endParaRPr b="1" sz="2000">
-              <a:latin typeface="Arial"/>
-              <a:ea typeface="Arial"/>
-              <a:cs typeface="Arial"/>
-              <a:sym typeface="Arial"/>
-            </a:endParaRPr>
+            <a:endParaRPr b="1" sz="2000"/>
           </a:p>
           <a:p>
             <a:pPr indent="0" lvl="0" marL="0" rtl="0" algn="l">
@@ -10039,20 +9830,10 @@
               <a:buNone/>
             </a:pPr>
             <a:r>
-              <a:rPr lang="zh-TW" sz="2000">
-                <a:latin typeface="Arial"/>
-                <a:ea typeface="Arial"/>
-                <a:cs typeface="Arial"/>
-                <a:sym typeface="Arial"/>
-              </a:rPr>
+              <a:rPr lang="zh-TW" sz="2000"/>
               <a:t>網頁整體結構以及版面設計、Express後端建立、登入/註冊功能、收藏功能、雲端資料庫和伺服器管理</a:t>
             </a:r>
-            <a:endParaRPr sz="2000">
-              <a:latin typeface="Arial"/>
-              <a:ea typeface="Arial"/>
-              <a:cs typeface="Arial"/>
-              <a:sym typeface="Arial"/>
-            </a:endParaRPr>
+            <a:endParaRPr sz="2000"/>
           </a:p>
         </p:txBody>
       </p:sp>
